--- a/Report.pptx
+++ b/Report.pptx
@@ -4759,7 +4759,7 @@
       </p:sp>
       <p:sp>
         <p:nvSpPr>
-          <p:cNvPr id="169" name="To generate automatical answer based on image and question, we need to extract the feature from the image and the keyword from the questions and answers. To similify the problem area, in this assignmnet, the plan is to start with &quot;yes/no&quot; answers.…"/>
+          <p:cNvPr id="169" name="To generate automatic answer based on image and question, we need to extract the feature from the image and the keyword from the questions and answers. To simplify the problem area, in this assignment, the plan is to start with &quot;yes/no&quot; answers.…"/>
           <p:cNvSpPr txBox="1"/>
           <p:nvPr>
             <p:ph type="body" idx="1"/>
@@ -4786,7 +4786,7 @@
               <a:defRPr sz="3500"/>
             </a:pPr>
             <a:r>
-              <a:t>To generate automatical answer based on image and question, we need to extract the feature from the image and the keyword from the questions and answers. To similify the problem area, in this assignmnet, the plan is to start with "yes/no" answers.</a:t>
+              <a:t>To generate automatic answer based on image and question, we need to extract the feature from the image and the keyword from the questions and answers. To simplify the problem area, in this assignment, the plan is to start with "yes/no" answers.</a:t>
             </a:r>
           </a:p>
           <a:p>
@@ -5103,7 +5103,7 @@
       </p:sp>
       <p:sp>
         <p:nvSpPr>
-          <p:cNvPr id="178" name="Approach: As the target, the 'Answers' is a binary class with value 1 and 0, the criteria are contious value, considering the compelexisty of the data and the number of the data is not big enough, the ensemble model RandomForest is chosen to fit the task"/>
+          <p:cNvPr id="178" name="Approach: As the target, the 'Answers' is a binary class with value 1 and 0, the criteria are continuous value, considering the complexity of the data and the number of the data is not big enough, the ensemble model RandomForest is chosen to fit the task"/>
           <p:cNvSpPr txBox="1"/>
           <p:nvPr>
             <p:ph type="body" idx="1"/>
@@ -5129,7 +5129,7 @@
               <a:defRPr sz="3200"/>
             </a:pPr>
             <a:r>
-              <a:t>Approach: As the target, the 'Answers' is a binary class with value 1 and 0, the criteria are contious value, considering the compelexisty of the data and the number of the data is not big enough, the ensemble model RandomForest is chosen to fit the task. To find the best parameters, the GridSearchCV function is adopted further.</a:t>
+              <a:t>Approach: As the target, the 'Answers' is a binary class with value 1 and 0, the criteria are continuous value, considering the complexity of the data and the number of the data is not big enough, the ensemble model RandomForest is chosen to fit the task. To find the best parameters, the GridSearchCV function is adopted further.</a:t>
             </a:r>
           </a:p>
           <a:p>
@@ -5365,7 +5365,7 @@
       </p:sp>
       <p:sp>
         <p:nvSpPr>
-          <p:cNvPr id="186" name="The ultimate testing score is only about 52%, it cannot meet the requirement from the real world. The reason of the low actuaccy could be because of the following factors:…"/>
+          <p:cNvPr id="186" name="The ultimate testing score is only about 52%, it cannot meet the requirement from the real world. The reason of the low accuracy could be because of the following factors:…"/>
           <p:cNvSpPr txBox="1"/>
           <p:nvPr>
             <p:ph type="body" idx="1"/>
@@ -5392,7 +5392,7 @@
               <a:defRPr sz="3400"/>
             </a:pPr>
             <a:r>
-              <a:t>The ultimate testing score is only about 52%, it cannot meet the requirement from the real world. The reason of the low actuaccy could be because of the following factors:</a:t>
+              <a:t>The ultimate testing score is only about 52%, it cannot meet the requirement from the real world. The reason of the low accuracy could be because of the following factors:</a:t>
             </a:r>
           </a:p>
           <a:p>
@@ -5408,7 +5408,7 @@
               <a:defRPr sz="3400"/>
             </a:pPr>
             <a:r>
-              <a:t>1. Too less data</a:t>
+              <a:t>1. Too fewer data</a:t>
             </a:r>
           </a:p>
           <a:p>
@@ -5424,7 +5424,7 @@
               <a:defRPr sz="3400"/>
             </a:pPr>
             <a:r>
-              <a:t>2. The imaging processing part contributes too less information, which means it needs much more calculation on image part, but there is not enough computing resource for the assignment.</a:t>
+              <a:t>2. The imaging processing part contributes insufficient information, which means it needs much more calculation on image part, but there is not enough computing resource for the assignment.</a:t>
             </a:r>
           </a:p>
           <a:p>
